--- a/Document/ICON.pptx
+++ b/Document/ICON.pptx
@@ -6,11 +6,12 @@
   </p:sldMasterIdLst>
   <p:sldIdLst>
     <p:sldId id="256" r:id="rId3"/>
+    <p:sldId id="257" r:id="rId4"/>
   </p:sldIdLst>
   <p:sldSz cx="12192000" cy="6858000"/>
   <p:notesSz cx="6858000" cy="9144000"/>
   <p:custDataLst>
-    <p:tags r:id="rId7"/>
+    <p:tags r:id="rId8"/>
   </p:custDataLst>
   <p:defaultTextStyle>
     <a:defPPr>
@@ -2919,16 +2920,16 @@
       <p:grpSpPr/>
       <p:grpSp>
         <p:nvGrpSpPr>
-          <p:cNvPr id="7" name="组合 6"/>
+          <p:cNvPr id="2" name="组合 1"/>
           <p:cNvGrpSpPr/>
           <p:nvPr/>
         </p:nvGrpSpPr>
         <p:grpSpPr>
           <a:xfrm>
             <a:off x="3754755" y="2030095"/>
-            <a:ext cx="2512695" cy="2631440"/>
+            <a:ext cx="2404110" cy="2404110"/>
             <a:chOff x="5913" y="3197"/>
-            <a:chExt cx="3957" cy="4144"/>
+            <a:chExt cx="3786" cy="3786"/>
           </a:xfrm>
         </p:grpSpPr>
         <p:sp>
@@ -2945,6 +2946,17 @@
             <a:prstGeom prst="roundRect">
               <a:avLst/>
             </a:prstGeom>
+            <a:gradFill>
+              <a:gsLst>
+                <a:gs pos="0">
+                  <a:srgbClr val="0093E9"/>
+                </a:gs>
+                <a:gs pos="100000">
+                  <a:srgbClr val="80D0C7"/>
+                </a:gs>
+              </a:gsLst>
+              <a:lin ang="5400000" scaled="0"/>
+            </a:gradFill>
             <a:ln>
               <a:noFill/>
             </a:ln>
@@ -2998,8 +3010,8 @@
           </p:nvSpPr>
           <p:spPr>
             <a:xfrm>
-              <a:off x="7490" y="6379"/>
-              <a:ext cx="2381" cy="962"/>
+              <a:off x="5914" y="5844"/>
+              <a:ext cx="3785" cy="1139"/>
             </a:xfrm>
             <a:prstGeom prst="roundRect">
               <a:avLst/>
@@ -3039,23 +3051,202 @@
             <a:p>
               <a:pPr algn="ctr"/>
               <a:r>
-                <a:rPr lang="en-US" altLang="zh-CN" sz="2800" b="1">
+                <a:rPr lang="en-US" altLang="zh-CN" sz="5400" b="1" kern="1600">
                   <a:solidFill>
                     <a:schemeClr val="tx1"/>
                   </a:solidFill>
-                  <a:latin typeface="+mj-ea"/>
-                  <a:ea typeface="+mj-ea"/>
-                  <a:cs typeface="Algerian" panose="04020705040A02060702" charset="0"/>
+                  <a:uFillTx/>
+                  <a:latin typeface="Kozuka Mincho Pro H" panose="02020A00000000000000" charset="-128"/>
+                  <a:ea typeface="Kozuka Mincho Pro H" panose="02020A00000000000000" charset="-128"/>
+                  <a:cs typeface="+mj-lt"/>
                 </a:rPr>
                 <a:t>Super</a:t>
               </a:r>
-              <a:endParaRPr lang="en-US" altLang="zh-CN" sz="2800" b="1">
+              <a:endParaRPr lang="en-US" altLang="zh-CN" sz="5400" b="1" kern="1600">
                 <a:solidFill>
                   <a:schemeClr val="tx1"/>
                 </a:solidFill>
-                <a:latin typeface="+mj-ea"/>
-                <a:ea typeface="+mj-ea"/>
-                <a:cs typeface="Algerian" panose="04020705040A02060702" charset="0"/>
+                <a:uFillTx/>
+                <a:latin typeface="Kozuka Mincho Pro H" panose="02020A00000000000000" charset="-128"/>
+                <a:ea typeface="Kozuka Mincho Pro H" panose="02020A00000000000000" charset="-128"/>
+                <a:cs typeface="+mj-lt"/>
+              </a:endParaRPr>
+            </a:p>
+          </p:txBody>
+        </p:sp>
+      </p:grpSp>
+    </p:spTree>
+  </p:cSld>
+  <p:clrMapOvr>
+    <a:masterClrMapping/>
+  </p:clrMapOvr>
+</p:sld>
+</file>
+
+<file path=ppt/slides/slide2.xml><?xml version="1.0" encoding="utf-8"?>
+<p:sld xmlns:a="http://schemas.openxmlformats.org/drawingml/2006/main" xmlns:r="http://schemas.openxmlformats.org/officeDocument/2006/relationships" xmlns:p="http://schemas.openxmlformats.org/presentationml/2006/main">
+  <p:cSld>
+    <p:spTree>
+      <p:nvGrpSpPr>
+        <p:cNvPr id="1" name=""/>
+        <p:cNvGrpSpPr/>
+        <p:nvPr/>
+      </p:nvGrpSpPr>
+      <p:grpSpPr/>
+      <p:grpSp>
+        <p:nvGrpSpPr>
+          <p:cNvPr id="2" name="组合 1"/>
+          <p:cNvGrpSpPr>
+            <a:grpSpLocks noChangeAspect="1"/>
+          </p:cNvGrpSpPr>
+          <p:nvPr/>
+        </p:nvGrpSpPr>
+        <p:grpSpPr>
+          <a:xfrm>
+            <a:off x="3754755" y="2030095"/>
+            <a:ext cx="457200" cy="457200"/>
+            <a:chOff x="5913" y="3197"/>
+            <a:chExt cx="3786" cy="3786"/>
+          </a:xfrm>
+        </p:grpSpPr>
+        <p:sp>
+          <p:nvSpPr>
+            <p:cNvPr id="4" name="圆角矩形 3"/>
+            <p:cNvSpPr/>
+            <p:nvPr/>
+          </p:nvSpPr>
+          <p:spPr>
+            <a:xfrm>
+              <a:off x="5913" y="3197"/>
+              <a:ext cx="3786" cy="3786"/>
+            </a:xfrm>
+            <a:prstGeom prst="roundRect">
+              <a:avLst/>
+            </a:prstGeom>
+            <a:gradFill>
+              <a:gsLst>
+                <a:gs pos="0">
+                  <a:srgbClr val="0093E9"/>
+                </a:gs>
+                <a:gs pos="100000">
+                  <a:srgbClr val="80D0C7"/>
+                </a:gs>
+              </a:gsLst>
+              <a:lin ang="5400000" scaled="0"/>
+            </a:gradFill>
+            <a:ln>
+              <a:noFill/>
+            </a:ln>
+            <a:effectLst>
+              <a:outerShdw blurRad="63500" sx="102000" sy="102000" algn="ctr" rotWithShape="0">
+                <a:prstClr val="black">
+                  <a:alpha val="40000"/>
+                </a:prstClr>
+              </a:outerShdw>
+            </a:effectLst>
+          </p:spPr>
+          <p:style>
+            <a:lnRef idx="2">
+              <a:schemeClr val="accent1">
+                <a:shade val="50000"/>
+              </a:schemeClr>
+            </a:lnRef>
+            <a:fillRef idx="1">
+              <a:schemeClr val="accent1"/>
+            </a:fillRef>
+            <a:effectRef idx="0">
+              <a:schemeClr val="accent1"/>
+            </a:effectRef>
+            <a:fontRef idx="minor">
+              <a:schemeClr val="lt1"/>
+            </a:fontRef>
+          </p:style>
+          <p:txBody>
+            <a:bodyPr rtlCol="0" anchor="ctr"/>
+            <a:p>
+              <a:pPr algn="ctr"/>
+              <a:r>
+                <a:rPr lang="en-US" altLang="zh-CN" sz="2400" b="1">
+                  <a:latin typeface="Arial Black" panose="020B0A04020102020204" charset="0"/>
+                  <a:cs typeface="Arial Black" panose="020B0A04020102020204" charset="0"/>
+                </a:rPr>
+                <a:t>C</a:t>
+              </a:r>
+              <a:endParaRPr lang="en-US" altLang="zh-CN" sz="2400" b="1">
+                <a:latin typeface="Arial Black" panose="020B0A04020102020204" charset="0"/>
+                <a:cs typeface="Arial Black" panose="020B0A04020102020204" charset="0"/>
+              </a:endParaRPr>
+            </a:p>
+          </p:txBody>
+        </p:sp>
+        <p:sp>
+          <p:nvSpPr>
+            <p:cNvPr id="6" name="圆角矩形 5"/>
+            <p:cNvSpPr/>
+            <p:nvPr/>
+          </p:nvSpPr>
+          <p:spPr>
+            <a:xfrm>
+              <a:off x="5914" y="5844"/>
+              <a:ext cx="3785" cy="1139"/>
+            </a:xfrm>
+            <a:prstGeom prst="roundRect">
+              <a:avLst/>
+            </a:prstGeom>
+            <a:solidFill>
+              <a:srgbClr val="FFC000"/>
+            </a:solidFill>
+            <a:ln>
+              <a:noFill/>
+            </a:ln>
+            <a:effectLst>
+              <a:outerShdw blurRad="63500" sx="102000" sy="102000" algn="ctr" rotWithShape="0">
+                <a:prstClr val="black">
+                  <a:alpha val="40000"/>
+                </a:prstClr>
+              </a:outerShdw>
+            </a:effectLst>
+          </p:spPr>
+          <p:style>
+            <a:lnRef idx="2">
+              <a:schemeClr val="accent1">
+                <a:shade val="50000"/>
+              </a:schemeClr>
+            </a:lnRef>
+            <a:fillRef idx="1">
+              <a:schemeClr val="accent1"/>
+            </a:fillRef>
+            <a:effectRef idx="0">
+              <a:schemeClr val="accent1"/>
+            </a:effectRef>
+            <a:fontRef idx="minor">
+              <a:schemeClr val="lt1"/>
+            </a:fontRef>
+          </p:style>
+          <p:txBody>
+            <a:bodyPr rtlCol="0" anchor="ctr"/>
+            <a:p>
+              <a:pPr algn="ctr"/>
+              <a:r>
+                <a:rPr lang="en-US" altLang="zh-CN" sz="600" b="1" kern="1600">
+                  <a:solidFill>
+                    <a:schemeClr val="tx1"/>
+                  </a:solidFill>
+                  <a:uFillTx/>
+                  <a:latin typeface="Kozuka Mincho Pro H" panose="02020A00000000000000" charset="-128"/>
+                  <a:ea typeface="Kozuka Mincho Pro H" panose="02020A00000000000000" charset="-128"/>
+                  <a:cs typeface="+mj-lt"/>
+                </a:rPr>
+                <a:t>Super</a:t>
+              </a:r>
+              <a:endParaRPr lang="en-US" altLang="zh-CN" sz="600" b="1" kern="1600">
+                <a:solidFill>
+                  <a:schemeClr val="tx1"/>
+                </a:solidFill>
+                <a:uFillTx/>
+                <a:latin typeface="Kozuka Mincho Pro H" panose="02020A00000000000000" charset="-128"/>
+                <a:ea typeface="Kozuka Mincho Pro H" panose="02020A00000000000000" charset="-128"/>
+                <a:cs typeface="+mj-lt"/>
               </a:endParaRPr>
             </a:p>
           </p:txBody>
